--- a/Max-3SAT using QUBO/Vesigna.pptx
+++ b/Max-3SAT using QUBO/Vesigna.pptx
@@ -197,7 +197,7 @@
           <a:p>
             <a:fld id="{E1383589-15D9-4CFE-9B4B-26AE81DF1623}" type="datetimeFigureOut">
               <a:rPr lang="it-IT" smtClean="0"/>
-              <a:t>14/07/2025</a:t>
+              <a:t>17/07/2025</a:t>
             </a:fld>
             <a:endParaRPr lang="it-IT"/>
           </a:p>
@@ -805,7 +805,7 @@
             <a:fld id="{1D8BD707-D9CF-40AE-B4C6-C98DA3205C09}" type="datetimeFigureOut">
               <a:rPr lang="en-US" smtClean="0"/>
               <a:pPr/>
-              <a:t>7/14/2025</a:t>
+              <a:t>7/17/2025</a:t>
             </a:fld>
             <a:endParaRPr lang="en-US"/>
           </a:p>
@@ -975,7 +975,7 @@
             <a:fld id="{1D8BD707-D9CF-40AE-B4C6-C98DA3205C09}" type="datetimeFigureOut">
               <a:rPr lang="en-US" smtClean="0"/>
               <a:pPr/>
-              <a:t>7/14/2025</a:t>
+              <a:t>7/17/2025</a:t>
             </a:fld>
             <a:endParaRPr lang="en-US"/>
           </a:p>
@@ -1155,7 +1155,7 @@
             <a:fld id="{1D8BD707-D9CF-40AE-B4C6-C98DA3205C09}" type="datetimeFigureOut">
               <a:rPr lang="en-US" smtClean="0"/>
               <a:pPr/>
-              <a:t>7/14/2025</a:t>
+              <a:t>7/17/2025</a:t>
             </a:fld>
             <a:endParaRPr lang="en-US"/>
           </a:p>
@@ -1325,7 +1325,7 @@
             <a:fld id="{1D8BD707-D9CF-40AE-B4C6-C98DA3205C09}" type="datetimeFigureOut">
               <a:rPr lang="en-US" smtClean="0"/>
               <a:pPr/>
-              <a:t>7/14/2025</a:t>
+              <a:t>7/17/2025</a:t>
             </a:fld>
             <a:endParaRPr lang="en-US"/>
           </a:p>
@@ -1572,7 +1572,7 @@
             <a:fld id="{1D8BD707-D9CF-40AE-B4C6-C98DA3205C09}" type="datetimeFigureOut">
               <a:rPr lang="en-US" smtClean="0"/>
               <a:pPr/>
-              <a:t>7/14/2025</a:t>
+              <a:t>7/17/2025</a:t>
             </a:fld>
             <a:endParaRPr lang="en-US"/>
           </a:p>
@@ -1859,7 +1859,7 @@
             <a:fld id="{1D8BD707-D9CF-40AE-B4C6-C98DA3205C09}" type="datetimeFigureOut">
               <a:rPr lang="en-US" smtClean="0"/>
               <a:pPr/>
-              <a:t>7/14/2025</a:t>
+              <a:t>7/17/2025</a:t>
             </a:fld>
             <a:endParaRPr lang="en-US"/>
           </a:p>
@@ -2280,7 +2280,7 @@
             <a:fld id="{1D8BD707-D9CF-40AE-B4C6-C98DA3205C09}" type="datetimeFigureOut">
               <a:rPr lang="en-US" smtClean="0"/>
               <a:pPr/>
-              <a:t>7/14/2025</a:t>
+              <a:t>7/17/2025</a:t>
             </a:fld>
             <a:endParaRPr lang="en-US"/>
           </a:p>
@@ -2399,7 +2399,7 @@
             <a:fld id="{1D8BD707-D9CF-40AE-B4C6-C98DA3205C09}" type="datetimeFigureOut">
               <a:rPr lang="en-US" smtClean="0"/>
               <a:pPr/>
-              <a:t>7/14/2025</a:t>
+              <a:t>7/17/2025</a:t>
             </a:fld>
             <a:endParaRPr lang="en-US"/>
           </a:p>
@@ -2496,7 +2496,7 @@
             <a:fld id="{1D8BD707-D9CF-40AE-B4C6-C98DA3205C09}" type="datetimeFigureOut">
               <a:rPr lang="en-US" smtClean="0"/>
               <a:pPr/>
-              <a:t>7/14/2025</a:t>
+              <a:t>7/17/2025</a:t>
             </a:fld>
             <a:endParaRPr lang="en-US"/>
           </a:p>
@@ -2773,7 +2773,7 @@
             <a:fld id="{1D8BD707-D9CF-40AE-B4C6-C98DA3205C09}" type="datetimeFigureOut">
               <a:rPr lang="en-US" smtClean="0"/>
               <a:pPr/>
-              <a:t>7/14/2025</a:t>
+              <a:t>7/17/2025</a:t>
             </a:fld>
             <a:endParaRPr lang="en-US"/>
           </a:p>
@@ -3027,7 +3027,7 @@
             <a:fld id="{1D8BD707-D9CF-40AE-B4C6-C98DA3205C09}" type="datetimeFigureOut">
               <a:rPr lang="en-US" smtClean="0"/>
               <a:pPr/>
-              <a:t>7/14/2025</a:t>
+              <a:t>7/17/2025</a:t>
             </a:fld>
             <a:endParaRPr lang="en-US"/>
           </a:p>
@@ -3240,7 +3240,7 @@
             <a:fld id="{1D8BD707-D9CF-40AE-B4C6-C98DA3205C09}" type="datetimeFigureOut">
               <a:rPr lang="en-US" smtClean="0"/>
               <a:pPr/>
-              <a:t>7/14/2025</a:t>
+              <a:t>7/17/2025</a:t>
             </a:fld>
             <a:endParaRPr lang="en-US"/>
           </a:p>
@@ -4481,7 +4481,7 @@
         <p:spPr>
           <a:xfrm>
             <a:off x="134842" y="1680340"/>
-            <a:ext cx="8693912" cy="707886"/>
+            <a:ext cx="8693912" cy="1015663"/>
           </a:xfrm>
           <a:prstGeom prst="rect">
             <a:avLst/>
@@ -4508,36 +4508,46 @@
           </a:p>
           <a:p>
             <a:r>
-              <a:rPr lang="en-GB" sz="2000" b="1" i="1" dirty="0" err="1"/>
-              <a:t>Algoritmi</a:t>
-            </a:r>
-            <a:r>
-              <a:rPr lang="en-GB" sz="2000" b="1" i="1" dirty="0"/>
-              <a:t> di </a:t>
-            </a:r>
-            <a:r>
-              <a:rPr lang="en-GB" sz="2000" b="1" i="1" dirty="0" err="1"/>
-              <a:t>trasformazione</a:t>
-            </a:r>
-            <a:r>
-              <a:rPr lang="en-GB" sz="2000" b="1" i="1" dirty="0"/>
-              <a:t> da </a:t>
-            </a:r>
-            <a:r>
-              <a:rPr lang="en-GB" sz="2000" b="1" i="1" dirty="0" err="1"/>
-              <a:t>problemi</a:t>
-            </a:r>
-            <a:r>
-              <a:rPr lang="en-GB" sz="2000" b="1" i="1" dirty="0"/>
-              <a:t> MAX3-SAT a </a:t>
-            </a:r>
-            <a:r>
-              <a:rPr lang="en-GB" sz="2000" b="1" i="1" dirty="0" err="1"/>
-              <a:t>problemi</a:t>
-            </a:r>
-            <a:r>
-              <a:rPr lang="en-GB" sz="2000" b="1" i="1" dirty="0"/>
-              <a:t> QUBO</a:t>
+              <a:rPr lang="en-GB" sz="1900" b="1" i="1" dirty="0" err="1"/>
+              <a:t>Modellazione</a:t>
+            </a:r>
+            <a:r>
+              <a:rPr lang="en-GB" sz="1900" b="1" i="1" dirty="0"/>
+              <a:t> del </a:t>
+            </a:r>
+            <a:r>
+              <a:rPr lang="en-GB" sz="1900" b="1" i="1" dirty="0" err="1"/>
+              <a:t>problema</a:t>
+            </a:r>
+            <a:r>
+              <a:rPr lang="en-GB" sz="1900" b="1" i="1" dirty="0"/>
+              <a:t> MAX3-SAT in forma QUBO e </a:t>
+            </a:r>
+            <a:r>
+              <a:rPr lang="en-GB" sz="1900" b="1" i="1" dirty="0" err="1"/>
+              <a:t>sua</a:t>
+            </a:r>
+            <a:r>
+              <a:rPr lang="en-GB" sz="1900" b="1" i="1" dirty="0"/>
+              <a:t> </a:t>
+            </a:r>
+            <a:r>
+              <a:rPr lang="en-GB" sz="1900" b="1" i="1" dirty="0" err="1"/>
+              <a:t>risoluzione</a:t>
+            </a:r>
+            <a:r>
+              <a:rPr lang="en-GB" sz="1900" b="1" i="1" dirty="0"/>
+              <a:t> </a:t>
+            </a:r>
+          </a:p>
+          <a:p>
+            <a:r>
+              <a:rPr lang="en-GB" sz="1900" b="1" i="1" dirty="0" err="1"/>
+              <a:t>tramite</a:t>
+            </a:r>
+            <a:r>
+              <a:rPr lang="en-GB" sz="1900" b="1" i="1" dirty="0"/>
+              <a:t> Simulated Annealing</a:t>
             </a:r>
           </a:p>
         </p:txBody>
@@ -4638,7 +4648,7 @@
         </p:nvSpPr>
         <p:spPr bwMode="auto">
           <a:xfrm>
-            <a:off x="140739" y="2491892"/>
+            <a:off x="136008" y="2572368"/>
             <a:ext cx="4500214" cy="369332"/>
           </a:xfrm>
           <a:prstGeom prst="rect">
